--- a/Review Material/ReviewMela.pptx
+++ b/Review Material/ReviewMela.pptx
@@ -19,34 +19,30 @@
   <p:notesSz cx="6858000" cy="9144000"/>
   <p:embeddedFontLst>
     <p:embeddedFont>
-      <p:font typeface="OCR A Extended" panose="02010509020102010303" pitchFamily="50" charset="0"/>
+      <p:font typeface="Raleway" panose="020B0604020202020204" charset="0"/>
       <p:regular r:id="rId9"/>
-    </p:embeddedFont>
-    <p:embeddedFont>
-      <p:font typeface="Cambria Math" panose="02040503050406030204" pitchFamily="18" charset="0"/>
-      <p:regular r:id="rId10"/>
+      <p:bold r:id="rId10"/>
+      <p:italic r:id="rId11"/>
+      <p:boldItalic r:id="rId12"/>
     </p:embeddedFont>
     <p:embeddedFont>
       <p:font typeface="Baskerville Old Face" panose="02020602080505020303" pitchFamily="18" charset="0"/>
-      <p:regular r:id="rId11"/>
+      <p:regular r:id="rId13"/>
+    </p:embeddedFont>
+    <p:embeddedFont>
+      <p:font typeface="NSimSun" panose="02010609030101010101" pitchFamily="49" charset="-122"/>
+      <p:regular r:id="rId14"/>
     </p:embeddedFont>
     <p:embeddedFont>
       <p:font typeface="Lato" panose="020B0604020202020204" charset="0"/>
-      <p:regular r:id="rId12"/>
-      <p:bold r:id="rId13"/>
-      <p:italic r:id="rId14"/>
-      <p:boldItalic r:id="rId15"/>
+      <p:regular r:id="rId15"/>
+      <p:bold r:id="rId16"/>
+      <p:italic r:id="rId17"/>
+      <p:boldItalic r:id="rId18"/>
     </p:embeddedFont>
     <p:embeddedFont>
-      <p:font typeface="NSimSun" panose="02010609030101010101" pitchFamily="49" charset="-122"/>
-      <p:regular r:id="rId16"/>
-    </p:embeddedFont>
-    <p:embeddedFont>
-      <p:font typeface="Raleway" panose="020B0604020202020204" charset="0"/>
-      <p:regular r:id="rId17"/>
-      <p:bold r:id="rId18"/>
-      <p:italic r:id="rId19"/>
-      <p:boldItalic r:id="rId20"/>
+      <p:font typeface="OCR A Extended" panose="02010509020102010303" pitchFamily="50" charset="0"/>
+      <p:regular r:id="rId19"/>
     </p:embeddedFont>
   </p:embeddedFontLst>
   <p:defaultTextStyle>
@@ -893,8 +889,13 @@
                 </a:pPr>
                 <a:r>
                   <a:rPr lang="en-IN" dirty="0"/>
-                  <a:t>Frequency F1</a:t>
+                  <a:t>Axis</a:t>
                 </a:r>
+                <a:r>
+                  <a:rPr lang="en-IN" baseline="0" dirty="0"/>
+                  <a:t> 2</a:t>
+                </a:r>
+                <a:endParaRPr lang="en-IN" dirty="0"/>
               </a:p>
             </c:rich>
           </c:tx>
@@ -1010,7 +1011,7 @@
                 </a:pPr>
                 <a:r>
                   <a:rPr lang="en-IN" dirty="0"/>
-                  <a:t>Frequency F2</a:t>
+                  <a:t>Axis 1</a:t>
                 </a:r>
               </a:p>
             </c:rich>
@@ -1140,6 +1141,7 @@
   <c:externalData r:id="rId3">
     <c:autoUpdate val="0"/>
   </c:externalData>
+  <c:userShapes r:id="rId4"/>
 </c:chartSpace>
 </file>
 
@@ -1416,7 +1418,7 @@
                 </a:pPr>
                 <a:r>
                   <a:rPr lang="en-IN" dirty="0"/>
-                  <a:t>frequency f1</a:t>
+                  <a:t>Axis 2</a:t>
                 </a:r>
               </a:p>
             </c:rich>
@@ -1532,8 +1534,13 @@
                 </a:pPr>
                 <a:r>
                   <a:rPr lang="en-IN" dirty="0"/>
-                  <a:t>frequency f2</a:t>
+                  <a:t>Axis</a:t>
                 </a:r>
+                <a:r>
+                  <a:rPr lang="en-IN" baseline="0" dirty="0"/>
+                  <a:t> 1</a:t>
+                </a:r>
+                <a:endParaRPr lang="en-IN" dirty="0"/>
               </a:p>
             </c:rich>
           </c:tx>
@@ -2734,6 +2741,52 @@
 <c:userShapes xmlns:c="http://schemas.openxmlformats.org/drawingml/2006/chart">
   <cdr:relSizeAnchor xmlns:cdr="http://schemas.openxmlformats.org/drawingml/2006/chartDrawing">
     <cdr:from>
+      <cdr:x>0.78898</cdr:x>
+      <cdr:y>0.50447</cdr:y>
+    </cdr:from>
+    <cdr:to>
+      <cdr:x>0.88289</cdr:x>
+      <cdr:y>0.60384</cdr:y>
+    </cdr:to>
+    <cdr:sp macro="" textlink="">
+      <cdr:nvSpPr>
+        <cdr:cNvPr id="2" name="TextBox 1">
+          <a:extLst xmlns:a="http://schemas.openxmlformats.org/drawingml/2006/main">
+            <a:ext uri="{FF2B5EF4-FFF2-40B4-BE49-F238E27FC236}">
+              <a16:creationId xmlns:a16="http://schemas.microsoft.com/office/drawing/2014/main" id="{A747B4EC-4CE2-4AAA-AB5B-438167BA418C}"/>
+            </a:ext>
+          </a:extLst>
+        </cdr:cNvPr>
+        <cdr:cNvSpPr txBox="1"/>
+      </cdr:nvSpPr>
+      <cdr:spPr>
+        <a:xfrm xmlns:a="http://schemas.openxmlformats.org/drawingml/2006/main">
+          <a:off x="4431973" y="2110394"/>
+          <a:ext cx="527534" cy="415708"/>
+        </a:xfrm>
+        <a:prstGeom xmlns:a="http://schemas.openxmlformats.org/drawingml/2006/main" prst="rect">
+          <a:avLst/>
+        </a:prstGeom>
+      </cdr:spPr>
+      <cdr:txBody>
+        <a:bodyPr xmlns:a="http://schemas.openxmlformats.org/drawingml/2006/main" vertOverflow="clip" wrap="square" rtlCol="0"/>
+        <a:lstStyle xmlns:a="http://schemas.openxmlformats.org/drawingml/2006/main"/>
+        <a:p xmlns:a="http://schemas.openxmlformats.org/drawingml/2006/main">
+          <a:r>
+            <a:rPr lang="en-IN" sz="1100" dirty="0"/>
+            <a:t>B</a:t>
+          </a:r>
+        </a:p>
+      </cdr:txBody>
+    </cdr:sp>
+  </cdr:relSizeAnchor>
+</c:userShapes>
+</file>
+
+<file path=ppt/drawings/drawing2.xml><?xml version="1.0" encoding="utf-8"?>
+<c:userShapes xmlns:c="http://schemas.openxmlformats.org/drawingml/2006/chart">
+  <cdr:relSizeAnchor xmlns:cdr="http://schemas.openxmlformats.org/drawingml/2006/chartDrawing">
+    <cdr:from>
       <cdr:x>0.04886</cdr:x>
       <cdr:y>0.16841</cdr:y>
     </cdr:from>
@@ -8793,7 +8846,7 @@
           <p:nvPr>
             <p:extLst>
               <p:ext uri="{D42A27DB-BD31-4B8C-83A1-F6EECF244321}">
-                <p14:modId xmlns:p14="http://schemas.microsoft.com/office/powerpoint/2010/main" val="1513455617"/>
+                <p14:modId xmlns:p14="http://schemas.microsoft.com/office/powerpoint/2010/main" val="902914370"/>
               </p:ext>
             </p:extLst>
           </p:nvPr>
@@ -8808,250 +8861,6 @@
           </a:graphicData>
         </a:graphic>
       </p:graphicFrame>
-      <p:cxnSp>
-        <p:nvCxnSpPr>
-          <p:cNvPr id="6" name="Connector: Curved 5">
-            <a:extLst>
-              <a:ext uri="{FF2B5EF4-FFF2-40B4-BE49-F238E27FC236}">
-                <a16:creationId xmlns:a16="http://schemas.microsoft.com/office/drawing/2014/main" id="{7B2384BA-FBD8-404D-97F1-4D92CC753693}"/>
-              </a:ext>
-            </a:extLst>
-          </p:cNvPr>
-          <p:cNvCxnSpPr/>
-          <p:nvPr/>
-        </p:nvCxnSpPr>
-        <p:spPr>
-          <a:xfrm flipV="1">
-            <a:off x="3325091" y="1271848"/>
-            <a:ext cx="1034934" cy="324197"/>
-          </a:xfrm>
-          <a:prstGeom prst="curvedConnector3">
-            <a:avLst/>
-          </a:prstGeom>
-          <a:ln>
-            <a:tailEnd type="triangle"/>
-          </a:ln>
-        </p:spPr>
-        <p:style>
-          <a:lnRef idx="1">
-            <a:schemeClr val="accent1"/>
-          </a:lnRef>
-          <a:fillRef idx="0">
-            <a:schemeClr val="accent1"/>
-          </a:fillRef>
-          <a:effectRef idx="0">
-            <a:schemeClr val="accent1"/>
-          </a:effectRef>
-          <a:fontRef idx="minor">
-            <a:schemeClr val="tx1"/>
-          </a:fontRef>
-        </p:style>
-      </p:cxnSp>
-      <p:cxnSp>
-        <p:nvCxnSpPr>
-          <p:cNvPr id="8" name="Connector: Curved 7">
-            <a:extLst>
-              <a:ext uri="{FF2B5EF4-FFF2-40B4-BE49-F238E27FC236}">
-                <a16:creationId xmlns:a16="http://schemas.microsoft.com/office/drawing/2014/main" id="{C5193B91-2EA5-4D8B-BE57-5DFF8151E676}"/>
-              </a:ext>
-            </a:extLst>
-          </p:cNvPr>
-          <p:cNvCxnSpPr>
-            <a:cxnSpLocks/>
-          </p:cNvCxnSpPr>
-          <p:nvPr/>
-        </p:nvCxnSpPr>
-        <p:spPr>
-          <a:xfrm rot="16200000" flipV="1">
-            <a:off x="4653050" y="1982587"/>
-            <a:ext cx="1733206" cy="1084813"/>
-          </a:xfrm>
-          <a:prstGeom prst="curvedConnector3">
-            <a:avLst/>
-          </a:prstGeom>
-          <a:ln>
-            <a:tailEnd type="triangle"/>
-          </a:ln>
-        </p:spPr>
-        <p:style>
-          <a:lnRef idx="1">
-            <a:schemeClr val="accent1"/>
-          </a:lnRef>
-          <a:fillRef idx="0">
-            <a:schemeClr val="accent1"/>
-          </a:fillRef>
-          <a:effectRef idx="0">
-            <a:schemeClr val="accent1"/>
-          </a:effectRef>
-          <a:fontRef idx="minor">
-            <a:schemeClr val="tx1"/>
-          </a:fontRef>
-        </p:style>
-      </p:cxnSp>
-      <mc:AlternateContent xmlns:mc="http://schemas.openxmlformats.org/markup-compatibility/2006">
-        <mc:Choice xmlns:a14="http://schemas.microsoft.com/office/drawing/2010/main" Requires="a14">
-          <p:sp>
-            <p:nvSpPr>
-              <p:cNvPr id="10" name="TextBox 9">
-                <a:extLst>
-                  <a:ext uri="{FF2B5EF4-FFF2-40B4-BE49-F238E27FC236}">
-                    <a16:creationId xmlns:a16="http://schemas.microsoft.com/office/drawing/2014/main" id="{BF87E249-084A-444B-9986-D546F9820C81}"/>
-                  </a:ext>
-                </a:extLst>
-              </p:cNvPr>
-              <p:cNvSpPr txBox="1"/>
-              <p:nvPr/>
-            </p:nvSpPr>
-            <p:spPr>
-              <a:xfrm>
-                <a:off x="4366260" y="1221971"/>
-                <a:ext cx="1527464" cy="253916"/>
-              </a:xfrm>
-              <a:prstGeom prst="rect">
-                <a:avLst/>
-              </a:prstGeom>
-              <a:noFill/>
-            </p:spPr>
-            <p:txBody>
-              <a:bodyPr wrap="square" rtlCol="0">
-                <a:spAutoFit/>
-              </a:bodyPr>
-              <a:lstStyle/>
-              <a:p>
-                <a:pPr/>
-                <a14:m>
-                  <m:oMathPara xmlns:m="http://schemas.openxmlformats.org/officeDocument/2006/math">
-                    <m:oMathParaPr>
-                      <m:jc m:val="centerGroup"/>
-                    </m:oMathParaPr>
-                    <m:oMath xmlns:m="http://schemas.openxmlformats.org/officeDocument/2006/math">
-                      <m:r>
-                        <a:rPr lang="en-IN" sz="1050" i="1">
-                          <a:solidFill>
-                            <a:schemeClr val="accent1">
-                              <a:lumMod val="75000"/>
-                            </a:schemeClr>
-                          </a:solidFill>
-                          <a:latin typeface="Cambria Math" panose="02040503050406030204" pitchFamily="18" charset="0"/>
-                        </a:rPr>
-                        <m:t>𝑇h𝑒</m:t>
-                      </m:r>
-                      <m:r>
-                        <a:rPr lang="en-IN" sz="1050" i="1">
-                          <a:solidFill>
-                            <a:schemeClr val="accent1">
-                              <a:lumMod val="75000"/>
-                            </a:schemeClr>
-                          </a:solidFill>
-                          <a:latin typeface="Cambria Math" panose="02040503050406030204" pitchFamily="18" charset="0"/>
-                        </a:rPr>
-                        <m:t> </m:t>
-                      </m:r>
-                      <m:r>
-                        <a:rPr lang="en-IN" sz="1050" i="1">
-                          <a:solidFill>
-                            <a:schemeClr val="accent1">
-                              <a:lumMod val="75000"/>
-                            </a:schemeClr>
-                          </a:solidFill>
-                          <a:latin typeface="Cambria Math" panose="02040503050406030204" pitchFamily="18" charset="0"/>
-                        </a:rPr>
-                        <m:t>𝑂𝑟𝑖𝑔𝑖𝑛𝑎𝑙</m:t>
-                      </m:r>
-                      <m:r>
-                        <a:rPr lang="en-IN" sz="1050" i="1">
-                          <a:solidFill>
-                            <a:schemeClr val="accent1">
-                              <a:lumMod val="75000"/>
-                            </a:schemeClr>
-                          </a:solidFill>
-                          <a:latin typeface="Cambria Math" panose="02040503050406030204" pitchFamily="18" charset="0"/>
-                        </a:rPr>
-                        <m:t> ′</m:t>
-                      </m:r>
-                      <m:r>
-                        <a:rPr lang="en-IN" sz="1050" i="1">
-                          <a:solidFill>
-                            <a:schemeClr val="accent1">
-                              <a:lumMod val="75000"/>
-                            </a:schemeClr>
-                          </a:solidFill>
-                          <a:latin typeface="Cambria Math" panose="02040503050406030204" pitchFamily="18" charset="0"/>
-                        </a:rPr>
-                        <m:t>𝑉𝑒𝑐𝑡𝑜𝑟</m:t>
-                      </m:r>
-                      <m:r>
-                        <a:rPr lang="en-IN" sz="1050" i="1">
-                          <a:solidFill>
-                            <a:schemeClr val="accent1">
-                              <a:lumMod val="75000"/>
-                            </a:schemeClr>
-                          </a:solidFill>
-                          <a:latin typeface="Cambria Math" panose="02040503050406030204" pitchFamily="18" charset="0"/>
-                        </a:rPr>
-                        <m:t>′</m:t>
-                      </m:r>
-                    </m:oMath>
-                  </m:oMathPara>
-                </a14:m>
-                <a:endParaRPr lang="en-IN" sz="1050" i="1" dirty="0">
-                  <a:solidFill>
-                    <a:schemeClr val="accent1">
-                      <a:lumMod val="75000"/>
-                    </a:schemeClr>
-                  </a:solidFill>
-                  <a:latin typeface="Cambria Math" panose="02040503050406030204" pitchFamily="18" charset="0"/>
-                  <a:ea typeface="Cambria Math" panose="02040503050406030204" pitchFamily="18" charset="0"/>
-                </a:endParaRPr>
-              </a:p>
-            </p:txBody>
-          </p:sp>
-        </mc:Choice>
-        <mc:Fallback>
-          <p:sp>
-            <p:nvSpPr>
-              <p:cNvPr id="10" name="TextBox 9">
-                <a:extLst>
-                  <a:ext uri="{FF2B5EF4-FFF2-40B4-BE49-F238E27FC236}">
-                    <a16:creationId xmlns:a16="http://schemas.microsoft.com/office/drawing/2014/main" id="{BF87E249-084A-444B-9986-D546F9820C81}"/>
-                  </a:ext>
-                </a:extLst>
-              </p:cNvPr>
-              <p:cNvSpPr txBox="1">
-                <a:spLocks noRot="1" noChangeAspect="1" noMove="1" noResize="1" noEditPoints="1" noAdjustHandles="1" noChangeArrowheads="1" noChangeShapeType="1" noTextEdit="1"/>
-              </p:cNvSpPr>
-              <p:nvPr/>
-            </p:nvSpPr>
-            <p:spPr>
-              <a:xfrm>
-                <a:off x="4366260" y="1221971"/>
-                <a:ext cx="1527464" cy="253916"/>
-              </a:xfrm>
-              <a:prstGeom prst="rect">
-                <a:avLst/>
-              </a:prstGeom>
-              <a:blipFill>
-                <a:blip r:embed="rId3"/>
-                <a:stretch>
-                  <a:fillRect b="-7143"/>
-                </a:stretch>
-              </a:blipFill>
-            </p:spPr>
-            <p:txBody>
-              <a:bodyPr/>
-              <a:lstStyle/>
-              <a:p>
-                <a:r>
-                  <a:rPr lang="en-IN">
-                    <a:noFill/>
-                  </a:rPr>
-                  <a:t> </a:t>
-                </a:r>
-              </a:p>
-            </p:txBody>
-          </p:sp>
-        </mc:Fallback>
-      </mc:AlternateContent>
       <p:sp>
         <p:nvSpPr>
           <p:cNvPr id="11" name="Oval 10">
@@ -9144,6 +8953,41 @@
           </a:p>
         </p:txBody>
       </p:sp>
+      <p:sp>
+        <p:nvSpPr>
+          <p:cNvPr id="2" name="TextBox 1">
+            <a:extLst>
+              <a:ext uri="{FF2B5EF4-FFF2-40B4-BE49-F238E27FC236}">
+                <a16:creationId xmlns:a16="http://schemas.microsoft.com/office/drawing/2014/main" id="{CA6664FB-1F82-47D3-977D-D85393F47009}"/>
+              </a:ext>
+            </a:extLst>
+          </p:cNvPr>
+          <p:cNvSpPr txBox="1"/>
+          <p:nvPr/>
+        </p:nvSpPr>
+        <p:spPr>
+          <a:xfrm>
+            <a:off x="3964488" y="1202499"/>
+            <a:ext cx="425885" cy="307777"/>
+          </a:xfrm>
+          <a:prstGeom prst="rect">
+            <a:avLst/>
+          </a:prstGeom>
+          <a:noFill/>
+        </p:spPr>
+        <p:txBody>
+          <a:bodyPr wrap="square" rtlCol="0">
+            <a:spAutoFit/>
+          </a:bodyPr>
+          <a:lstStyle/>
+          <a:p>
+            <a:r>
+              <a:rPr lang="en-IN" dirty="0"/>
+              <a:t>A</a:t>
+            </a:r>
+          </a:p>
+        </p:txBody>
+      </p:sp>
     </p:spTree>
     <p:extLst>
       <p:ext uri="{BB962C8B-B14F-4D97-AF65-F5344CB8AC3E}">
@@ -9187,7 +9031,7 @@
           <p:nvPr>
             <p:extLst>
               <p:ext uri="{D42A27DB-BD31-4B8C-83A1-F6EECF244321}">
-                <p14:modId xmlns:p14="http://schemas.microsoft.com/office/powerpoint/2010/main" val="1098179057"/>
+                <p14:modId xmlns:p14="http://schemas.microsoft.com/office/powerpoint/2010/main" val="1942881909"/>
               </p:ext>
             </p:extLst>
           </p:nvPr>
@@ -9202,6 +9046,202 @@
           </a:graphicData>
         </a:graphic>
       </p:graphicFrame>
+      <p:sp>
+        <p:nvSpPr>
+          <p:cNvPr id="5" name="TextBox 1">
+            <a:extLst>
+              <a:ext uri="{FF2B5EF4-FFF2-40B4-BE49-F238E27FC236}">
+                <a16:creationId xmlns:a16="http://schemas.microsoft.com/office/drawing/2014/main" id="{D92D62F6-DC7A-45CF-AF98-9A8B3B49368E}"/>
+              </a:ext>
+            </a:extLst>
+          </p:cNvPr>
+          <p:cNvSpPr txBox="1"/>
+          <p:nvPr/>
+        </p:nvSpPr>
+        <p:spPr>
+          <a:xfrm>
+            <a:off x="6115268" y="3394413"/>
+            <a:ext cx="527523" cy="415702"/>
+          </a:xfrm>
+          <a:prstGeom prst="rect">
+            <a:avLst/>
+          </a:prstGeom>
+        </p:spPr>
+        <p:txBody>
+          <a:bodyPr wrap="square" rtlCol="0"/>
+          <a:lstStyle>
+            <a:lvl1pPr marL="0" indent="0">
+              <a:defRPr sz="1100">
+                <a:latin typeface="+mn-lt"/>
+                <a:ea typeface="+mn-ea"/>
+                <a:cs typeface="+mn-cs"/>
+              </a:defRPr>
+            </a:lvl1pPr>
+            <a:lvl2pPr marL="457200" indent="0">
+              <a:defRPr sz="1100">
+                <a:latin typeface="+mn-lt"/>
+                <a:ea typeface="+mn-ea"/>
+                <a:cs typeface="+mn-cs"/>
+              </a:defRPr>
+            </a:lvl2pPr>
+            <a:lvl3pPr marL="914400" indent="0">
+              <a:defRPr sz="1100">
+                <a:latin typeface="+mn-lt"/>
+                <a:ea typeface="+mn-ea"/>
+                <a:cs typeface="+mn-cs"/>
+              </a:defRPr>
+            </a:lvl3pPr>
+            <a:lvl4pPr marL="1371600" indent="0">
+              <a:defRPr sz="1100">
+                <a:latin typeface="+mn-lt"/>
+                <a:ea typeface="+mn-ea"/>
+                <a:cs typeface="+mn-cs"/>
+              </a:defRPr>
+            </a:lvl4pPr>
+            <a:lvl5pPr marL="1828800" indent="0">
+              <a:defRPr sz="1100">
+                <a:latin typeface="+mn-lt"/>
+                <a:ea typeface="+mn-ea"/>
+                <a:cs typeface="+mn-cs"/>
+              </a:defRPr>
+            </a:lvl5pPr>
+            <a:lvl6pPr marL="2286000" indent="0">
+              <a:defRPr sz="1100">
+                <a:latin typeface="+mn-lt"/>
+                <a:ea typeface="+mn-ea"/>
+                <a:cs typeface="+mn-cs"/>
+              </a:defRPr>
+            </a:lvl6pPr>
+            <a:lvl7pPr marL="2743200" indent="0">
+              <a:defRPr sz="1100">
+                <a:latin typeface="+mn-lt"/>
+                <a:ea typeface="+mn-ea"/>
+                <a:cs typeface="+mn-cs"/>
+              </a:defRPr>
+            </a:lvl7pPr>
+            <a:lvl8pPr marL="3200400" indent="0">
+              <a:defRPr sz="1100">
+                <a:latin typeface="+mn-lt"/>
+                <a:ea typeface="+mn-ea"/>
+                <a:cs typeface="+mn-cs"/>
+              </a:defRPr>
+            </a:lvl8pPr>
+            <a:lvl9pPr marL="3657600" indent="0">
+              <a:defRPr sz="1100">
+                <a:latin typeface="+mn-lt"/>
+                <a:ea typeface="+mn-ea"/>
+                <a:cs typeface="+mn-cs"/>
+              </a:defRPr>
+            </a:lvl9pPr>
+          </a:lstStyle>
+          <a:p>
+            <a:r>
+              <a:rPr lang="en-IN" sz="1100" dirty="0"/>
+              <a:t>B</a:t>
+            </a:r>
+          </a:p>
+        </p:txBody>
+      </p:sp>
+      <p:sp>
+        <p:nvSpPr>
+          <p:cNvPr id="6" name="TextBox 1">
+            <a:extLst>
+              <a:ext uri="{FF2B5EF4-FFF2-40B4-BE49-F238E27FC236}">
+                <a16:creationId xmlns:a16="http://schemas.microsoft.com/office/drawing/2014/main" id="{D92D62F6-DC7A-45CF-AF98-9A8B3B49368E}"/>
+              </a:ext>
+            </a:extLst>
+          </p:cNvPr>
+          <p:cNvSpPr txBox="1"/>
+          <p:nvPr/>
+        </p:nvSpPr>
+        <p:spPr>
+          <a:xfrm>
+            <a:off x="2864068" y="1202756"/>
+            <a:ext cx="527523" cy="415702"/>
+          </a:xfrm>
+          <a:prstGeom prst="rect">
+            <a:avLst/>
+          </a:prstGeom>
+        </p:spPr>
+        <p:txBody>
+          <a:bodyPr wrap="square" rtlCol="0"/>
+          <a:lstStyle>
+            <a:lvl1pPr marL="0" indent="0">
+              <a:defRPr sz="1100">
+                <a:latin typeface="+mn-lt"/>
+                <a:ea typeface="+mn-ea"/>
+                <a:cs typeface="+mn-cs"/>
+              </a:defRPr>
+            </a:lvl1pPr>
+            <a:lvl2pPr marL="457200" indent="0">
+              <a:defRPr sz="1100">
+                <a:latin typeface="+mn-lt"/>
+                <a:ea typeface="+mn-ea"/>
+                <a:cs typeface="+mn-cs"/>
+              </a:defRPr>
+            </a:lvl2pPr>
+            <a:lvl3pPr marL="914400" indent="0">
+              <a:defRPr sz="1100">
+                <a:latin typeface="+mn-lt"/>
+                <a:ea typeface="+mn-ea"/>
+                <a:cs typeface="+mn-cs"/>
+              </a:defRPr>
+            </a:lvl3pPr>
+            <a:lvl4pPr marL="1371600" indent="0">
+              <a:defRPr sz="1100">
+                <a:latin typeface="+mn-lt"/>
+                <a:ea typeface="+mn-ea"/>
+                <a:cs typeface="+mn-cs"/>
+              </a:defRPr>
+            </a:lvl4pPr>
+            <a:lvl5pPr marL="1828800" indent="0">
+              <a:defRPr sz="1100">
+                <a:latin typeface="+mn-lt"/>
+                <a:ea typeface="+mn-ea"/>
+                <a:cs typeface="+mn-cs"/>
+              </a:defRPr>
+            </a:lvl5pPr>
+            <a:lvl6pPr marL="2286000" indent="0">
+              <a:defRPr sz="1100">
+                <a:latin typeface="+mn-lt"/>
+                <a:ea typeface="+mn-ea"/>
+                <a:cs typeface="+mn-cs"/>
+              </a:defRPr>
+            </a:lvl6pPr>
+            <a:lvl7pPr marL="2743200" indent="0">
+              <a:defRPr sz="1100">
+                <a:latin typeface="+mn-lt"/>
+                <a:ea typeface="+mn-ea"/>
+                <a:cs typeface="+mn-cs"/>
+              </a:defRPr>
+            </a:lvl7pPr>
+            <a:lvl8pPr marL="3200400" indent="0">
+              <a:defRPr sz="1100">
+                <a:latin typeface="+mn-lt"/>
+                <a:ea typeface="+mn-ea"/>
+                <a:cs typeface="+mn-cs"/>
+              </a:defRPr>
+            </a:lvl8pPr>
+            <a:lvl9pPr marL="3657600" indent="0">
+              <a:defRPr sz="1100">
+                <a:latin typeface="+mn-lt"/>
+                <a:ea typeface="+mn-ea"/>
+                <a:cs typeface="+mn-cs"/>
+              </a:defRPr>
+            </a:lvl9pPr>
+          </a:lstStyle>
+          <a:p>
+            <a:r>
+              <a:rPr lang="en-IN" dirty="0"/>
+              <a:t>A</a:t>
+            </a:r>
+            <a:br>
+              <a:rPr lang="en-IN" dirty="0"/>
+            </a:br>
+            <a:endParaRPr lang="en-IN" sz="1100" dirty="0"/>
+          </a:p>
+        </p:txBody>
+      </p:sp>
     </p:spTree>
     <p:extLst>
       <p:ext uri="{BB962C8B-B14F-4D97-AF65-F5344CB8AC3E}">
